--- a/materials/ch15/ch15-事件消息处理.pptx
+++ b/materials/ch15/ch15-事件消息处理.pptx
@@ -8,8 +8,11 @@
     <p:sldId id="256" r:id="rId2"/>
     <p:sldId id="275" r:id="rId3"/>
     <p:sldId id="277" r:id="rId4"/>
-    <p:sldId id="278" r:id="rId5"/>
-    <p:sldId id="258" r:id="rId6"/>
+    <p:sldId id="279" r:id="rId5"/>
+    <p:sldId id="280" r:id="rId6"/>
+    <p:sldId id="281" r:id="rId7"/>
+    <p:sldId id="282" r:id="rId8"/>
+    <p:sldId id="278" r:id="rId9"/>
   </p:sldIdLst>
   <p:sldSz cx="12192000" cy="6858000"/>
   <p:notesSz cx="6858000" cy="9144000"/>
@@ -542,7 +545,7 @@
           <a:p>
             <a:fld id="{10955001-8E90-43AD-87AF-166875BDDBE4}" type="datetimeFigureOut">
               <a:rPr lang="zh-CN" altLang="en-US" smtClean="0"/>
-              <a:t>2020/8/18</a:t>
+              <a:t>2020/8/30</a:t>
             </a:fld>
             <a:endParaRPr lang="zh-CN" altLang="en-US"/>
           </a:p>
@@ -774,7 +777,7 @@
           <a:p>
             <a:fld id="{10955001-8E90-43AD-87AF-166875BDDBE4}" type="datetimeFigureOut">
               <a:rPr lang="zh-CN" altLang="en-US" smtClean="0"/>
-              <a:t>2020/8/18</a:t>
+              <a:t>2020/8/30</a:t>
             </a:fld>
             <a:endParaRPr lang="zh-CN" altLang="en-US"/>
           </a:p>
@@ -1272,7 +1275,7 @@
           <a:p>
             <a:fld id="{10955001-8E90-43AD-87AF-166875BDDBE4}" type="datetimeFigureOut">
               <a:rPr lang="zh-CN" altLang="en-US" smtClean="0"/>
-              <a:t>2020/8/18</a:t>
+              <a:t>2020/8/30</a:t>
             </a:fld>
             <a:endParaRPr lang="zh-CN" altLang="en-US"/>
           </a:p>
@@ -1701,7 +1704,7 @@
           <a:p>
             <a:fld id="{10955001-8E90-43AD-87AF-166875BDDBE4}" type="datetimeFigureOut">
               <a:rPr lang="zh-CN" altLang="en-US" smtClean="0"/>
-              <a:t>2020/8/18</a:t>
+              <a:t>2020/8/30</a:t>
             </a:fld>
             <a:endParaRPr lang="zh-CN" altLang="en-US"/>
           </a:p>
@@ -2218,7 +2221,7 @@
           <a:p>
             <a:fld id="{10955001-8E90-43AD-87AF-166875BDDBE4}" type="datetimeFigureOut">
               <a:rPr lang="zh-CN" altLang="en-US" smtClean="0"/>
-              <a:t>2020/8/18</a:t>
+              <a:t>2020/8/30</a:t>
             </a:fld>
             <a:endParaRPr lang="zh-CN" altLang="en-US"/>
           </a:p>
@@ -2678,7 +2681,7 @@
           <a:p>
             <a:fld id="{10955001-8E90-43AD-87AF-166875BDDBE4}" type="datetimeFigureOut">
               <a:rPr lang="zh-CN" altLang="en-US" smtClean="0"/>
-              <a:t>2020/8/18</a:t>
+              <a:t>2020/8/30</a:t>
             </a:fld>
             <a:endParaRPr lang="zh-CN" altLang="en-US"/>
           </a:p>
@@ -2990,7 +2993,7 @@
           <a:p>
             <a:fld id="{10955001-8E90-43AD-87AF-166875BDDBE4}" type="datetimeFigureOut">
               <a:rPr lang="zh-CN" altLang="en-US" smtClean="0"/>
-              <a:t>2020/8/18</a:t>
+              <a:t>2020/8/30</a:t>
             </a:fld>
             <a:endParaRPr lang="zh-CN" altLang="en-US"/>
           </a:p>
@@ -3661,10 +3664,42 @@
         </p:nvSpPr>
         <p:spPr/>
         <p:txBody>
-          <a:bodyPr/>
+          <a:bodyPr>
+            <a:normAutofit/>
+          </a:bodyPr>
           <a:lstStyle/>
           <a:p>
-            <a:endParaRPr lang="zh-CN" altLang="en-US"/>
+            <a:r>
+              <a:rPr lang="zh-CN" altLang="en-US" b="0" i="0" u="none" strike="noStrike">
+                <a:solidFill>
+                  <a:prstClr val="black"/>
+                </a:solidFill>
+                <a:latin typeface="Noto Sans CJK SC Regular"/>
+              </a:rPr>
+              <a:t>除了之前讲到的普通消息，还有事件消息类型。</a:t>
+            </a:r>
+          </a:p>
+          <a:p>
+            <a:r>
+              <a:rPr lang="zh-CN" altLang="en-US" b="0" i="0" u="none" strike="noStrike" baseline="0">
+                <a:solidFill>
+                  <a:prstClr val="black"/>
+                </a:solidFill>
+                <a:latin typeface="Noto Sans CJK SC Regular"/>
+              </a:rPr>
+              <a:t>这些事件消息是用户的某些行为触发的。</a:t>
+            </a:r>
+          </a:p>
+          <a:p>
+            <a:r>
+              <a:rPr lang="zh-CN" altLang="en-US" b="0" i="0" u="none" strike="noStrike" baseline="0">
+                <a:solidFill>
+                  <a:prstClr val="black"/>
+                </a:solidFill>
+                <a:latin typeface="Noto Sans CJK SC Regular"/>
+              </a:rPr>
+              <a:t>微信服务器会把事件消息转发到开发者服务器。</a:t>
+            </a:r>
           </a:p>
         </p:txBody>
       </p:sp>
@@ -3721,7 +3756,15 @@
           <a:p>
             <a:r>
               <a:rPr lang="zh-CN" altLang="en-US"/>
-              <a:t>回复格式</a:t>
+              <a:t>用户关注</a:t>
+            </a:r>
+            <a:r>
+              <a:rPr lang="en-US" altLang="zh-CN"/>
+              <a:t>/</a:t>
+            </a:r>
+            <a:r>
+              <a:rPr lang="zh-CN" altLang="en-US"/>
+              <a:t>取消关注</a:t>
             </a:r>
           </a:p>
         </p:txBody>
@@ -3747,10 +3790,127 @@
           <a:bodyPr/>
           <a:lstStyle/>
           <a:p>
-            <a:endParaRPr lang="zh-CN" altLang="en-US"/>
-          </a:p>
-        </p:txBody>
-      </p:sp>
+            <a:pPr marR="0" algn="l"/>
+            <a:r>
+              <a:rPr lang="zh-CN" altLang="en-US" b="0" i="0" u="none" strike="noStrike">
+                <a:solidFill>
+                  <a:prstClr val="black"/>
+                </a:solidFill>
+                <a:latin typeface="Noto Sans Mono CJK SC Regular"/>
+              </a:rPr>
+              <a:t>用户关注</a:t>
+            </a:r>
+            <a:r>
+              <a:rPr lang="en-US" altLang="zh-CN" b="0" i="0" u="none" strike="noStrike">
+                <a:solidFill>
+                  <a:prstClr val="black"/>
+                </a:solidFill>
+                <a:latin typeface="Noto Sans Mono CJK SC Regular"/>
+              </a:rPr>
+              <a:t>/</a:t>
+            </a:r>
+            <a:r>
+              <a:rPr lang="zh-CN" altLang="en-US" b="0" i="0" u="none" strike="noStrike">
+                <a:solidFill>
+                  <a:prstClr val="black"/>
+                </a:solidFill>
+                <a:latin typeface="Noto Sans Mono CJK SC Regular"/>
+              </a:rPr>
+              <a:t>取消关注公众号触发。</a:t>
+            </a:r>
+            <a:endParaRPr lang="zh-CN" altLang="en-US" b="0" i="0" u="none" strike="noStrike">
+              <a:solidFill>
+                <a:prstClr val="black"/>
+              </a:solidFill>
+              <a:latin typeface="Noto Sans CJK SC Regular"/>
+            </a:endParaRPr>
+          </a:p>
+          <a:p>
+            <a:pPr marR="0" algn="l"/>
+            <a:r>
+              <a:rPr lang="zh-CN" altLang="en-US" b="0" i="0" u="none" strike="noStrike" baseline="0">
+                <a:solidFill>
+                  <a:prstClr val="black"/>
+                </a:solidFill>
+                <a:latin typeface="Noto Sans Mono CJK SC Regular"/>
+              </a:rPr>
+              <a:t>用户取消关注，</a:t>
+            </a:r>
+            <a:r>
+              <a:rPr lang="en-US" altLang="zh-CN" b="0" i="0" u="none" strike="noStrike" baseline="0">
+                <a:solidFill>
+                  <a:prstClr val="black"/>
+                </a:solidFill>
+                <a:latin typeface="Courier10 BT" panose="02070509030505020404" pitchFamily="49" charset="0"/>
+              </a:rPr>
+              <a:t>Event</a:t>
+            </a:r>
+            <a:r>
+              <a:rPr lang="zh-CN" altLang="en-US" b="0" i="0" u="none" strike="noStrike" baseline="0">
+                <a:solidFill>
+                  <a:prstClr val="black"/>
+                </a:solidFill>
+                <a:latin typeface="Noto Sans Mono CJK SC Regular"/>
+              </a:rPr>
+              <a:t>为</a:t>
+            </a:r>
+            <a:r>
+              <a:rPr lang="en-US" altLang="zh-CN" b="0" i="0" u="none" strike="noStrike" baseline="0">
+                <a:solidFill>
+                  <a:prstClr val="black"/>
+                </a:solidFill>
+                <a:latin typeface="Courier10 BT" panose="02070509030505020404" pitchFamily="49" charset="0"/>
+              </a:rPr>
+              <a:t>unsubscribe</a:t>
+            </a:r>
+            <a:r>
+              <a:rPr lang="zh-CN" altLang="en-US" b="0" i="0" u="none" strike="noStrike" baseline="0">
+                <a:solidFill>
+                  <a:prstClr val="black"/>
+                </a:solidFill>
+                <a:latin typeface="Noto Sans Mono CJK SC Regular"/>
+              </a:rPr>
+              <a:t>。</a:t>
+            </a:r>
+            <a:endParaRPr lang="en-US" altLang="zh-CN" b="0" i="0" u="none" strike="noStrike" baseline="0">
+              <a:solidFill>
+                <a:prstClr val="black"/>
+              </a:solidFill>
+              <a:latin typeface="Noto Sans CJK SC Regular"/>
+            </a:endParaRPr>
+          </a:p>
+        </p:txBody>
+      </p:sp>
+      <p:pic>
+        <p:nvPicPr>
+          <p:cNvPr id="4" name="图片 3">
+            <a:extLst>
+              <a:ext uri="{FF2B5EF4-FFF2-40B4-BE49-F238E27FC236}">
+                <a16:creationId xmlns:a16="http://schemas.microsoft.com/office/drawing/2014/main" id="{BCECC6A4-B3FA-451E-8330-4E69A08663AA}"/>
+              </a:ext>
+            </a:extLst>
+          </p:cNvPr>
+          <p:cNvPicPr>
+            <a:picLocks noChangeAspect="1"/>
+          </p:cNvPicPr>
+          <p:nvPr/>
+        </p:nvPicPr>
+        <p:blipFill>
+          <a:blip r:embed="rId2"/>
+          <a:stretch>
+            <a:fillRect/>
+          </a:stretch>
+        </p:blipFill>
+        <p:spPr>
+          <a:xfrm>
+            <a:off x="1848556" y="3358060"/>
+            <a:ext cx="8494887" cy="2379052"/>
+          </a:xfrm>
+          <a:prstGeom prst="rect">
+            <a:avLst/>
+          </a:prstGeom>
+        </p:spPr>
+      </p:pic>
     </p:spTree>
     <p:extLst>
       <p:ext uri="{BB962C8B-B14F-4D97-AF65-F5344CB8AC3E}">
@@ -3786,7 +3946,7 @@
           <p:cNvPr id="2" name="标题 1">
             <a:extLst>
               <a:ext uri="{FF2B5EF4-FFF2-40B4-BE49-F238E27FC236}">
-                <a16:creationId xmlns:a16="http://schemas.microsoft.com/office/drawing/2014/main" id="{A120AA4C-488A-4AAD-94EF-B1988083690E}"/>
+                <a16:creationId xmlns:a16="http://schemas.microsoft.com/office/drawing/2014/main" id="{D4184729-E86C-4A42-9361-32D9CB6408FA}"/>
               </a:ext>
             </a:extLst>
           </p:cNvPr>
@@ -3795,6 +3955,34 @@
           </p:cNvSpPr>
           <p:nvPr>
             <p:ph type="title"/>
+          </p:nvPr>
+        </p:nvSpPr>
+        <p:spPr/>
+        <p:txBody>
+          <a:bodyPr/>
+          <a:lstStyle/>
+          <a:p>
+            <a:r>
+              <a:rPr lang="zh-CN" altLang="en-US"/>
+              <a:t>扫描带场景值的二维码</a:t>
+            </a:r>
+          </a:p>
+        </p:txBody>
+      </p:sp>
+      <p:sp>
+        <p:nvSpPr>
+          <p:cNvPr id="3" name="内容占位符 2">
+            <a:extLst>
+              <a:ext uri="{FF2B5EF4-FFF2-40B4-BE49-F238E27FC236}">
+                <a16:creationId xmlns:a16="http://schemas.microsoft.com/office/drawing/2014/main" id="{8866C90A-938B-4A33-AE95-FC189E857BDB}"/>
+              </a:ext>
+            </a:extLst>
+          </p:cNvPr>
+          <p:cNvSpPr>
+            <a:spLocks noGrp="1"/>
+          </p:cNvSpPr>
+          <p:nvPr>
+            <p:ph idx="1"/>
           </p:nvPr>
         </p:nvSpPr>
         <p:spPr/>
@@ -3805,41 +3993,74 @@
           <a:lstStyle/>
           <a:p>
             <a:r>
-              <a:rPr lang="zh-CN" altLang="en-US"/>
-              <a:t>加入到用户消息的处理结构中</a:t>
-            </a:r>
-          </a:p>
-        </p:txBody>
-      </p:sp>
-      <p:sp>
-        <p:nvSpPr>
-          <p:cNvPr id="3" name="内容占位符 2">
-            <a:extLst>
-              <a:ext uri="{FF2B5EF4-FFF2-40B4-BE49-F238E27FC236}">
-                <a16:creationId xmlns:a16="http://schemas.microsoft.com/office/drawing/2014/main" id="{97085026-6C03-498C-998E-FB0B7B216CCD}"/>
-              </a:ext>
-            </a:extLst>
-          </p:cNvPr>
-          <p:cNvSpPr>
-            <a:spLocks noGrp="1"/>
-          </p:cNvSpPr>
-          <p:nvPr>
-            <p:ph idx="1"/>
-          </p:nvPr>
-        </p:nvSpPr>
-        <p:spPr/>
-        <p:txBody>
-          <a:bodyPr/>
-          <a:lstStyle/>
-          <a:p>
-            <a:endParaRPr lang="zh-CN" altLang="en-US"/>
-          </a:p>
-        </p:txBody>
-      </p:sp>
+              <a:rPr lang="zh-CN" altLang="en-US" b="0" i="0" u="none" strike="noStrike">
+                <a:solidFill>
+                  <a:prstClr val="black"/>
+                </a:solidFill>
+                <a:latin typeface="Noto Sans CJK SC Regular"/>
+              </a:rPr>
+              <a:t>用户扫码关注，开发者服务器会收到通知。</a:t>
+            </a:r>
+            <a:endParaRPr lang="en-US" altLang="zh-CN" b="0" i="0" u="none" strike="noStrike">
+              <a:solidFill>
+                <a:prstClr val="black"/>
+              </a:solidFill>
+              <a:latin typeface="Noto Sans CJK SC Regular"/>
+            </a:endParaRPr>
+          </a:p>
+          <a:p>
+            <a:r>
+              <a:rPr lang="zh-CN" altLang="en-US">
+                <a:solidFill>
+                  <a:prstClr val="black"/>
+                </a:solidFill>
+                <a:latin typeface="Noto Sans CJK SC Regular"/>
+              </a:rPr>
+              <a:t>用户关注，同时会收到场景值，可以用于用户推广的分布统计、业绩统计等场景。</a:t>
+            </a:r>
+            <a:endParaRPr lang="zh-CN" altLang="en-US" b="0" i="0" u="none" strike="noStrike">
+              <a:solidFill>
+                <a:prstClr val="black"/>
+              </a:solidFill>
+              <a:latin typeface="Noto Sans CJK SC Regular"/>
+            </a:endParaRPr>
+          </a:p>
+        </p:txBody>
+      </p:sp>
+      <p:pic>
+        <p:nvPicPr>
+          <p:cNvPr id="4" name="图片 3">
+            <a:extLst>
+              <a:ext uri="{FF2B5EF4-FFF2-40B4-BE49-F238E27FC236}">
+                <a16:creationId xmlns:a16="http://schemas.microsoft.com/office/drawing/2014/main" id="{F3B4826C-6FD0-4B42-81EC-EE61FEF4B788}"/>
+              </a:ext>
+            </a:extLst>
+          </p:cNvPr>
+          <p:cNvPicPr>
+            <a:picLocks noChangeAspect="1"/>
+          </p:cNvPicPr>
+          <p:nvPr/>
+        </p:nvPicPr>
+        <p:blipFill>
+          <a:blip r:embed="rId2"/>
+          <a:stretch>
+            <a:fillRect/>
+          </a:stretch>
+        </p:blipFill>
+        <p:spPr>
+          <a:xfrm>
+            <a:off x="2095531" y="3100091"/>
+            <a:ext cx="8000937" cy="2664169"/>
+          </a:xfrm>
+          <a:prstGeom prst="rect">
+            <a:avLst/>
+          </a:prstGeom>
+        </p:spPr>
+      </p:pic>
     </p:spTree>
     <p:extLst>
       <p:ext uri="{BB962C8B-B14F-4D97-AF65-F5344CB8AC3E}">
-        <p14:creationId xmlns:p14="http://schemas.microsoft.com/office/powerpoint/2010/main" val="3093706499"/>
+        <p14:creationId xmlns:p14="http://schemas.microsoft.com/office/powerpoint/2010/main" val="1980689052"/>
       </p:ext>
     </p:extLst>
   </p:cSld>
@@ -3866,10 +4087,483 @@
           <a:chExt cx="0" cy="0"/>
         </a:xfrm>
       </p:grpSpPr>
+      <p:sp>
+        <p:nvSpPr>
+          <p:cNvPr id="2" name="标题 1">
+            <a:extLst>
+              <a:ext uri="{FF2B5EF4-FFF2-40B4-BE49-F238E27FC236}">
+                <a16:creationId xmlns:a16="http://schemas.microsoft.com/office/drawing/2014/main" id="{AE991E6B-11F8-48AE-B087-0EC99567A8EF}"/>
+              </a:ext>
+            </a:extLst>
+          </p:cNvPr>
+          <p:cNvSpPr>
+            <a:spLocks noGrp="1"/>
+          </p:cNvSpPr>
+          <p:nvPr>
+            <p:ph type="title"/>
+          </p:nvPr>
+        </p:nvSpPr>
+        <p:spPr/>
+        <p:txBody>
+          <a:bodyPr/>
+          <a:lstStyle/>
+          <a:p>
+            <a:r>
+              <a:rPr lang="zh-CN" altLang="en-US"/>
+              <a:t>扫描带场景值二维码</a:t>
+            </a:r>
+          </a:p>
+        </p:txBody>
+      </p:sp>
+      <p:sp>
+        <p:nvSpPr>
+          <p:cNvPr id="3" name="内容占位符 2">
+            <a:extLst>
+              <a:ext uri="{FF2B5EF4-FFF2-40B4-BE49-F238E27FC236}">
+                <a16:creationId xmlns:a16="http://schemas.microsoft.com/office/drawing/2014/main" id="{0EB2E3D0-9414-4220-9001-CF7C58F83CB8}"/>
+              </a:ext>
+            </a:extLst>
+          </p:cNvPr>
+          <p:cNvSpPr>
+            <a:spLocks noGrp="1"/>
+          </p:cNvSpPr>
+          <p:nvPr>
+            <p:ph idx="1"/>
+          </p:nvPr>
+        </p:nvSpPr>
+        <p:spPr/>
+        <p:txBody>
+          <a:bodyPr/>
+          <a:lstStyle/>
+          <a:p>
+            <a:r>
+              <a:rPr lang="zh-CN" altLang="en-US"/>
+              <a:t>已关注用户扫描会发送事件类型为</a:t>
+            </a:r>
+            <a:r>
+              <a:rPr lang="en-US" altLang="zh-CN"/>
+              <a:t>SCAN</a:t>
+            </a:r>
+            <a:r>
+              <a:rPr lang="zh-CN" altLang="en-US"/>
+              <a:t>的消息，并携带场景值。</a:t>
+            </a:r>
+            <a:endParaRPr lang="en-US" altLang="zh-CN"/>
+          </a:p>
+          <a:p>
+            <a:r>
+              <a:rPr lang="zh-CN" altLang="en-US"/>
+              <a:t>此操作可用于账号绑定等场景。</a:t>
+            </a:r>
+          </a:p>
+        </p:txBody>
+      </p:sp>
+      <p:pic>
+        <p:nvPicPr>
+          <p:cNvPr id="4" name="图片 3">
+            <a:extLst>
+              <a:ext uri="{FF2B5EF4-FFF2-40B4-BE49-F238E27FC236}">
+                <a16:creationId xmlns:a16="http://schemas.microsoft.com/office/drawing/2014/main" id="{54CC070A-CD72-4C5C-B15A-2CA0D4D47136}"/>
+              </a:ext>
+            </a:extLst>
+          </p:cNvPr>
+          <p:cNvPicPr>
+            <a:picLocks noChangeAspect="1"/>
+          </p:cNvPicPr>
+          <p:nvPr/>
+        </p:nvPicPr>
+        <p:blipFill>
+          <a:blip r:embed="rId2"/>
+          <a:stretch>
+            <a:fillRect/>
+          </a:stretch>
+        </p:blipFill>
+        <p:spPr>
+          <a:xfrm>
+            <a:off x="1904039" y="3440789"/>
+            <a:ext cx="8383922" cy="2736175"/>
+          </a:xfrm>
+          <a:prstGeom prst="rect">
+            <a:avLst/>
+          </a:prstGeom>
+        </p:spPr>
+      </p:pic>
     </p:spTree>
     <p:extLst>
       <p:ext uri="{BB962C8B-B14F-4D97-AF65-F5344CB8AC3E}">
-        <p14:creationId xmlns:p14="http://schemas.microsoft.com/office/powerpoint/2010/main" val="365098710"/>
+        <p14:creationId xmlns:p14="http://schemas.microsoft.com/office/powerpoint/2010/main" val="1612428237"/>
+      </p:ext>
+    </p:extLst>
+  </p:cSld>
+  <p:clrMapOvr>
+    <a:masterClrMapping/>
+  </p:clrMapOvr>
+</p:sld>
+</file>
+
+<file path=ppt/slides/slide6.xml><?xml version="1.0" encoding="utf-8"?>
+<p:sld xmlns:a="http://schemas.openxmlformats.org/drawingml/2006/main" xmlns:r="http://schemas.openxmlformats.org/officeDocument/2006/relationships" xmlns:p="http://schemas.openxmlformats.org/presentationml/2006/main">
+  <p:cSld>
+    <p:spTree>
+      <p:nvGrpSpPr>
+        <p:cNvPr id="1" name=""/>
+        <p:cNvGrpSpPr/>
+        <p:nvPr/>
+      </p:nvGrpSpPr>
+      <p:grpSpPr>
+        <a:xfrm>
+          <a:off x="0" y="0"/>
+          <a:ext cx="0" cy="0"/>
+          <a:chOff x="0" y="0"/>
+          <a:chExt cx="0" cy="0"/>
+        </a:xfrm>
+      </p:grpSpPr>
+      <p:sp>
+        <p:nvSpPr>
+          <p:cNvPr id="2" name="标题 1">
+            <a:extLst>
+              <a:ext uri="{FF2B5EF4-FFF2-40B4-BE49-F238E27FC236}">
+                <a16:creationId xmlns:a16="http://schemas.microsoft.com/office/drawing/2014/main" id="{3E744BBB-D105-44AC-BC13-7E7CA24EF9C1}"/>
+              </a:ext>
+            </a:extLst>
+          </p:cNvPr>
+          <p:cNvSpPr>
+            <a:spLocks noGrp="1"/>
+          </p:cNvSpPr>
+          <p:nvPr>
+            <p:ph type="title"/>
+          </p:nvPr>
+        </p:nvSpPr>
+        <p:spPr/>
+        <p:txBody>
+          <a:bodyPr/>
+          <a:lstStyle/>
+          <a:p>
+            <a:r>
+              <a:rPr lang="zh-CN" altLang="en-US"/>
+              <a:t>点击菜单获取消息</a:t>
+            </a:r>
+          </a:p>
+        </p:txBody>
+      </p:sp>
+      <p:sp>
+        <p:nvSpPr>
+          <p:cNvPr id="3" name="内容占位符 2">
+            <a:extLst>
+              <a:ext uri="{FF2B5EF4-FFF2-40B4-BE49-F238E27FC236}">
+                <a16:creationId xmlns:a16="http://schemas.microsoft.com/office/drawing/2014/main" id="{736E1F8F-FB61-4C32-94F7-BDC66AD88844}"/>
+              </a:ext>
+            </a:extLst>
+          </p:cNvPr>
+          <p:cNvSpPr>
+            <a:spLocks noGrp="1"/>
+          </p:cNvSpPr>
+          <p:nvPr>
+            <p:ph idx="1"/>
+          </p:nvPr>
+        </p:nvSpPr>
+        <p:spPr/>
+        <p:txBody>
+          <a:bodyPr/>
+          <a:lstStyle/>
+          <a:p>
+            <a:r>
+              <a:rPr lang="zh-CN" altLang="en-US"/>
+              <a:t>点击菜单，会发送设定好的</a:t>
+            </a:r>
+            <a:r>
+              <a:rPr lang="en-US" altLang="zh-CN"/>
+              <a:t>Key</a:t>
+            </a:r>
+            <a:r>
+              <a:rPr lang="zh-CN" altLang="en-US"/>
+              <a:t>值作为</a:t>
+            </a:r>
+            <a:r>
+              <a:rPr lang="en-US" altLang="zh-CN"/>
+              <a:t>EventKey</a:t>
+            </a:r>
+            <a:r>
+              <a:rPr lang="zh-CN" altLang="en-US"/>
+              <a:t>。</a:t>
+            </a:r>
+            <a:endParaRPr lang="en-US" altLang="zh-CN"/>
+          </a:p>
+          <a:p>
+            <a:r>
+              <a:rPr lang="zh-CN" altLang="en-US"/>
+              <a:t>此时，服务端可根据不同值来确定要进行何种操作并返回对应的消息。</a:t>
+            </a:r>
+          </a:p>
+        </p:txBody>
+      </p:sp>
+      <p:pic>
+        <p:nvPicPr>
+          <p:cNvPr id="4" name="图片 3">
+            <a:extLst>
+              <a:ext uri="{FF2B5EF4-FFF2-40B4-BE49-F238E27FC236}">
+                <a16:creationId xmlns:a16="http://schemas.microsoft.com/office/drawing/2014/main" id="{B849DE6B-AE0D-4261-91E4-F9A62B162111}"/>
+              </a:ext>
+            </a:extLst>
+          </p:cNvPr>
+          <p:cNvPicPr>
+            <a:picLocks noChangeAspect="1"/>
+          </p:cNvPicPr>
+          <p:nvPr/>
+        </p:nvPicPr>
+        <p:blipFill>
+          <a:blip r:embed="rId2"/>
+          <a:stretch>
+            <a:fillRect/>
+          </a:stretch>
+        </p:blipFill>
+        <p:spPr>
+          <a:xfrm>
+            <a:off x="1567428" y="3590819"/>
+            <a:ext cx="9057143" cy="2304152"/>
+          </a:xfrm>
+          <a:prstGeom prst="rect">
+            <a:avLst/>
+          </a:prstGeom>
+        </p:spPr>
+      </p:pic>
+    </p:spTree>
+    <p:extLst>
+      <p:ext uri="{BB962C8B-B14F-4D97-AF65-F5344CB8AC3E}">
+        <p14:creationId xmlns:p14="http://schemas.microsoft.com/office/powerpoint/2010/main" val="708703128"/>
+      </p:ext>
+    </p:extLst>
+  </p:cSld>
+  <p:clrMapOvr>
+    <a:masterClrMapping/>
+  </p:clrMapOvr>
+</p:sld>
+</file>
+
+<file path=ppt/slides/slide7.xml><?xml version="1.0" encoding="utf-8"?>
+<p:sld xmlns:a="http://schemas.openxmlformats.org/drawingml/2006/main" xmlns:r="http://schemas.openxmlformats.org/officeDocument/2006/relationships" xmlns:p="http://schemas.openxmlformats.org/presentationml/2006/main">
+  <p:cSld>
+    <p:spTree>
+      <p:nvGrpSpPr>
+        <p:cNvPr id="1" name=""/>
+        <p:cNvGrpSpPr/>
+        <p:nvPr/>
+      </p:nvGrpSpPr>
+      <p:grpSpPr>
+        <a:xfrm>
+          <a:off x="0" y="0"/>
+          <a:ext cx="0" cy="0"/>
+          <a:chOff x="0" y="0"/>
+          <a:chExt cx="0" cy="0"/>
+        </a:xfrm>
+      </p:grpSpPr>
+      <p:sp>
+        <p:nvSpPr>
+          <p:cNvPr id="2" name="标题 1">
+            <a:extLst>
+              <a:ext uri="{FF2B5EF4-FFF2-40B4-BE49-F238E27FC236}">
+                <a16:creationId xmlns:a16="http://schemas.microsoft.com/office/drawing/2014/main" id="{61011B3C-8FBC-40DD-8F58-483944C02F38}"/>
+              </a:ext>
+            </a:extLst>
+          </p:cNvPr>
+          <p:cNvSpPr>
+            <a:spLocks noGrp="1"/>
+          </p:cNvSpPr>
+          <p:nvPr>
+            <p:ph type="title"/>
+          </p:nvPr>
+        </p:nvSpPr>
+        <p:spPr/>
+        <p:txBody>
+          <a:bodyPr/>
+          <a:lstStyle/>
+          <a:p>
+            <a:r>
+              <a:rPr lang="zh-CN" altLang="en-US"/>
+              <a:t>点击菜单跳转链接</a:t>
+            </a:r>
+          </a:p>
+        </p:txBody>
+      </p:sp>
+      <p:sp>
+        <p:nvSpPr>
+          <p:cNvPr id="3" name="内容占位符 2">
+            <a:extLst>
+              <a:ext uri="{FF2B5EF4-FFF2-40B4-BE49-F238E27FC236}">
+                <a16:creationId xmlns:a16="http://schemas.microsoft.com/office/drawing/2014/main" id="{B773321C-BB05-4952-A8DE-72230A4DCF51}"/>
+              </a:ext>
+            </a:extLst>
+          </p:cNvPr>
+          <p:cNvSpPr>
+            <a:spLocks noGrp="1"/>
+          </p:cNvSpPr>
+          <p:nvPr>
+            <p:ph idx="1"/>
+          </p:nvPr>
+        </p:nvSpPr>
+        <p:spPr/>
+        <p:txBody>
+          <a:bodyPr/>
+          <a:lstStyle/>
+          <a:p>
+            <a:r>
+              <a:rPr lang="zh-CN" altLang="en-US"/>
+              <a:t>用户点击菜单跳转到页面，</a:t>
+            </a:r>
+            <a:r>
+              <a:rPr lang="en-US" altLang="zh-CN"/>
+              <a:t>URL</a:t>
+            </a:r>
+            <a:r>
+              <a:rPr lang="zh-CN" altLang="en-US"/>
+              <a:t>会发送到后台。</a:t>
+            </a:r>
+            <a:endParaRPr lang="en-US" altLang="zh-CN"/>
+          </a:p>
+          <a:p>
+            <a:r>
+              <a:rPr lang="zh-CN" altLang="en-US"/>
+              <a:t>这可以用来统计。</a:t>
+            </a:r>
+          </a:p>
+        </p:txBody>
+      </p:sp>
+      <p:pic>
+        <p:nvPicPr>
+          <p:cNvPr id="4" name="图片 3">
+            <a:extLst>
+              <a:ext uri="{FF2B5EF4-FFF2-40B4-BE49-F238E27FC236}">
+                <a16:creationId xmlns:a16="http://schemas.microsoft.com/office/drawing/2014/main" id="{027245C4-C07B-4AF5-B7BE-D752A064ED28}"/>
+              </a:ext>
+            </a:extLst>
+          </p:cNvPr>
+          <p:cNvPicPr>
+            <a:picLocks noChangeAspect="1"/>
+          </p:cNvPicPr>
+          <p:nvPr/>
+        </p:nvPicPr>
+        <p:blipFill>
+          <a:blip r:embed="rId2"/>
+          <a:stretch>
+            <a:fillRect/>
+          </a:stretch>
+        </p:blipFill>
+        <p:spPr>
+          <a:xfrm>
+            <a:off x="1607737" y="3694711"/>
+            <a:ext cx="8976526" cy="2291678"/>
+          </a:xfrm>
+          <a:prstGeom prst="rect">
+            <a:avLst/>
+          </a:prstGeom>
+        </p:spPr>
+      </p:pic>
+    </p:spTree>
+    <p:extLst>
+      <p:ext uri="{BB962C8B-B14F-4D97-AF65-F5344CB8AC3E}">
+        <p14:creationId xmlns:p14="http://schemas.microsoft.com/office/powerpoint/2010/main" val="2002072442"/>
+      </p:ext>
+    </p:extLst>
+  </p:cSld>
+  <p:clrMapOvr>
+    <a:masterClrMapping/>
+  </p:clrMapOvr>
+</p:sld>
+</file>
+
+<file path=ppt/slides/slide8.xml><?xml version="1.0" encoding="utf-8"?>
+<p:sld xmlns:a="http://schemas.openxmlformats.org/drawingml/2006/main" xmlns:r="http://schemas.openxmlformats.org/officeDocument/2006/relationships" xmlns:p="http://schemas.openxmlformats.org/presentationml/2006/main">
+  <p:cSld>
+    <p:spTree>
+      <p:nvGrpSpPr>
+        <p:cNvPr id="1" name=""/>
+        <p:cNvGrpSpPr/>
+        <p:nvPr/>
+      </p:nvGrpSpPr>
+      <p:grpSpPr>
+        <a:xfrm>
+          <a:off x="0" y="0"/>
+          <a:ext cx="0" cy="0"/>
+          <a:chOff x="0" y="0"/>
+          <a:chExt cx="0" cy="0"/>
+        </a:xfrm>
+      </p:grpSpPr>
+      <p:sp>
+        <p:nvSpPr>
+          <p:cNvPr id="2" name="标题 1">
+            <a:extLst>
+              <a:ext uri="{FF2B5EF4-FFF2-40B4-BE49-F238E27FC236}">
+                <a16:creationId xmlns:a16="http://schemas.microsoft.com/office/drawing/2014/main" id="{A120AA4C-488A-4AAD-94EF-B1988083690E}"/>
+              </a:ext>
+            </a:extLst>
+          </p:cNvPr>
+          <p:cNvSpPr>
+            <a:spLocks noGrp="1"/>
+          </p:cNvSpPr>
+          <p:nvPr>
+            <p:ph type="title"/>
+          </p:nvPr>
+        </p:nvSpPr>
+        <p:spPr/>
+        <p:txBody>
+          <a:bodyPr>
+            <a:normAutofit/>
+          </a:bodyPr>
+          <a:lstStyle/>
+          <a:p>
+            <a:r>
+              <a:rPr lang="zh-CN" altLang="en-US"/>
+              <a:t>加入到用户消息的处理结构中</a:t>
+            </a:r>
+          </a:p>
+        </p:txBody>
+      </p:sp>
+      <p:sp>
+        <p:nvSpPr>
+          <p:cNvPr id="3" name="内容占位符 2">
+            <a:extLst>
+              <a:ext uri="{FF2B5EF4-FFF2-40B4-BE49-F238E27FC236}">
+                <a16:creationId xmlns:a16="http://schemas.microsoft.com/office/drawing/2014/main" id="{97085026-6C03-498C-998E-FB0B7B216CCD}"/>
+              </a:ext>
+            </a:extLst>
+          </p:cNvPr>
+          <p:cNvSpPr>
+            <a:spLocks noGrp="1"/>
+          </p:cNvSpPr>
+          <p:nvPr>
+            <p:ph idx="1"/>
+          </p:nvPr>
+        </p:nvSpPr>
+        <p:spPr/>
+        <p:txBody>
+          <a:bodyPr/>
+          <a:lstStyle/>
+          <a:p>
+            <a:r>
+              <a:rPr lang="zh-CN" altLang="en-US"/>
+              <a:t>在用户消息处理的代码中，加入事件消息处理并不困难。</a:t>
+            </a:r>
+            <a:endParaRPr lang="en-US" altLang="zh-CN"/>
+          </a:p>
+          <a:p>
+            <a:r>
+              <a:rPr lang="zh-CN" altLang="en-US"/>
+              <a:t>在这之前，消息处理程序的设计上，已经包括了事件消息处理的机制，只是并没有对应的处理函数。</a:t>
+            </a:r>
+            <a:endParaRPr lang="en-US" altLang="zh-CN"/>
+          </a:p>
+          <a:p>
+            <a:r>
+              <a:rPr lang="zh-CN" altLang="en-US"/>
+              <a:t>具体的操作请参考示例代码。</a:t>
+            </a:r>
+          </a:p>
+        </p:txBody>
+      </p:sp>
+    </p:spTree>
+    <p:extLst>
+      <p:ext uri="{BB962C8B-B14F-4D97-AF65-F5344CB8AC3E}">
+        <p14:creationId xmlns:p14="http://schemas.microsoft.com/office/powerpoint/2010/main" val="3093706499"/>
       </p:ext>
     </p:extLst>
   </p:cSld>
